--- a/Отчет по производстювенной практике.pptx
+++ b/Отчет по производстювенной практике.pptx
@@ -5,34 +5,28 @@
     <p:sldMasterId id="2147483756" r:id="rId1"/>
   </p:sldMasterIdLst>
   <p:notesMasterIdLst>
-    <p:notesMasterId r:id="rId24"/>
+    <p:notesMasterId r:id="rId18"/>
   </p:notesMasterIdLst>
   <p:handoutMasterIdLst>
-    <p:handoutMasterId r:id="rId25"/>
+    <p:handoutMasterId r:id="rId19"/>
   </p:handoutMasterIdLst>
   <p:sldIdLst>
     <p:sldId id="256" r:id="rId2"/>
     <p:sldId id="257" r:id="rId3"/>
-    <p:sldId id="258" r:id="rId4"/>
-    <p:sldId id="259" r:id="rId5"/>
-    <p:sldId id="261" r:id="rId6"/>
-    <p:sldId id="293" r:id="rId7"/>
-    <p:sldId id="260" r:id="rId8"/>
-    <p:sldId id="297" r:id="rId9"/>
-    <p:sldId id="298" r:id="rId10"/>
-    <p:sldId id="299" r:id="rId11"/>
-    <p:sldId id="300" r:id="rId12"/>
-    <p:sldId id="301" r:id="rId13"/>
-    <p:sldId id="302" r:id="rId14"/>
-    <p:sldId id="303" r:id="rId15"/>
-    <p:sldId id="263" r:id="rId16"/>
-    <p:sldId id="304" r:id="rId17"/>
-    <p:sldId id="305" r:id="rId18"/>
-    <p:sldId id="306" r:id="rId19"/>
-    <p:sldId id="307" r:id="rId20"/>
-    <p:sldId id="308" r:id="rId21"/>
-    <p:sldId id="270" r:id="rId22"/>
-    <p:sldId id="284" r:id="rId23"/>
+    <p:sldId id="259" r:id="rId4"/>
+    <p:sldId id="261" r:id="rId5"/>
+    <p:sldId id="293" r:id="rId6"/>
+    <p:sldId id="260" r:id="rId7"/>
+    <p:sldId id="297" r:id="rId8"/>
+    <p:sldId id="298" r:id="rId9"/>
+    <p:sldId id="299" r:id="rId10"/>
+    <p:sldId id="300" r:id="rId11"/>
+    <p:sldId id="301" r:id="rId12"/>
+    <p:sldId id="302" r:id="rId13"/>
+    <p:sldId id="303" r:id="rId14"/>
+    <p:sldId id="263" r:id="rId15"/>
+    <p:sldId id="270" r:id="rId16"/>
+    <p:sldId id="284" r:id="rId17"/>
   </p:sldIdLst>
   <p:sldSz cx="9144000" cy="6858000" type="screen4x3"/>
   <p:notesSz cx="6858000" cy="9144000"/>
@@ -246,7 +240,7 @@
           <a:p>
             <a:fld id="{95997B8F-9A1E-437F-96CD-787AE518EEB0}" type="datetimeFigureOut">
               <a:rPr lang="ru-RU" smtClean="0"/>
-              <a:t>28.06.2023</a:t>
+              <a:t>30.06.2023</a:t>
             </a:fld>
             <a:endParaRPr lang="ru-RU"/>
           </a:p>
@@ -406,7 +400,7 @@
           <a:p>
             <a:fld id="{E8DB1C51-E75D-4861-AA88-CDD2295AAD95}" type="datetimeFigureOut">
               <a:rPr lang="ru-RU" smtClean="0"/>
-              <a:t>28.06.2023</a:t>
+              <a:t>30.06.2023</a:t>
             </a:fld>
             <a:endParaRPr lang="ru-RU"/>
           </a:p>
@@ -674,90 +668,6 @@
 </p:notesMaster>
 </file>
 
-<file path=ppt/notesSlides/notesSlide1.xml><?xml version="1.0" encoding="utf-8"?>
-<p:notes xmlns:a="http://schemas.openxmlformats.org/drawingml/2006/main" xmlns:r="http://schemas.openxmlformats.org/officeDocument/2006/relationships" xmlns:p="http://schemas.openxmlformats.org/presentationml/2006/main">
-  <p:cSld>
-    <p:spTree>
-      <p:nvGrpSpPr>
-        <p:cNvPr id="1" name=""/>
-        <p:cNvGrpSpPr/>
-        <p:nvPr/>
-      </p:nvGrpSpPr>
-      <p:grpSpPr>
-        <a:xfrm>
-          <a:off x="0" y="0"/>
-          <a:ext cx="0" cy="0"/>
-          <a:chOff x="0" y="0"/>
-          <a:chExt cx="0" cy="0"/>
-        </a:xfrm>
-      </p:grpSpPr>
-      <p:sp>
-        <p:nvSpPr>
-          <p:cNvPr id="2" name="Образ слайда 1"/>
-          <p:cNvSpPr>
-            <a:spLocks noGrp="1" noRot="1" noChangeAspect="1"/>
-          </p:cNvSpPr>
-          <p:nvPr>
-            <p:ph type="sldImg"/>
-          </p:nvPr>
-        </p:nvSpPr>
-        <p:spPr/>
-      </p:sp>
-      <p:sp>
-        <p:nvSpPr>
-          <p:cNvPr id="3" name="Заметки 2"/>
-          <p:cNvSpPr>
-            <a:spLocks noGrp="1"/>
-          </p:cNvSpPr>
-          <p:nvPr>
-            <p:ph type="body" idx="1"/>
-          </p:nvPr>
-        </p:nvSpPr>
-        <p:spPr/>
-        <p:txBody>
-          <a:bodyPr/>
-          <a:lstStyle/>
-          <a:p>
-            <a:endParaRPr lang="ru-RU" dirty="0"/>
-          </a:p>
-        </p:txBody>
-      </p:sp>
-      <p:sp>
-        <p:nvSpPr>
-          <p:cNvPr id="4" name="Номер слайда 3"/>
-          <p:cNvSpPr>
-            <a:spLocks noGrp="1"/>
-          </p:cNvSpPr>
-          <p:nvPr>
-            <p:ph type="sldNum" sz="quarter" idx="10"/>
-          </p:nvPr>
-        </p:nvSpPr>
-        <p:spPr/>
-        <p:txBody>
-          <a:bodyPr/>
-          <a:lstStyle/>
-          <a:p>
-            <a:fld id="{4CEF488B-DD53-4753-A198-9E53E5C84A39}" type="slidenum">
-              <a:rPr lang="ru-RU" smtClean="0"/>
-              <a:t>3</a:t>
-            </a:fld>
-            <a:endParaRPr lang="ru-RU"/>
-          </a:p>
-        </p:txBody>
-      </p:sp>
-    </p:spTree>
-    <p:extLst>
-      <p:ext uri="{BB962C8B-B14F-4D97-AF65-F5344CB8AC3E}">
-        <p14:creationId xmlns:p14="http://schemas.microsoft.com/office/powerpoint/2010/main" val="2437677421"/>
-      </p:ext>
-    </p:extLst>
-  </p:cSld>
-  <p:clrMapOvr>
-    <a:masterClrMapping/>
-  </p:clrMapOvr>
-</p:notes>
-</file>
-
 <file path=ppt/slideLayouts/slideLayout1.xml><?xml version="1.0" encoding="utf-8"?>
 <p:sldLayout xmlns:a="http://schemas.openxmlformats.org/drawingml/2006/main" xmlns:r="http://schemas.openxmlformats.org/officeDocument/2006/relationships" xmlns:p="http://schemas.openxmlformats.org/presentationml/2006/main" showMasterSp="0" type="title" preserve="1">
   <p:cSld name="Титульный слайд">
@@ -1142,7 +1052,7 @@
           <a:p>
             <a:fld id="{5250144E-2EE9-4D24-BB15-020C64D9191E}" type="datetimeFigureOut">
               <a:rPr lang="ru-RU" smtClean="0"/>
-              <a:t>28.06.2023</a:t>
+              <a:t>30.06.2023</a:t>
             </a:fld>
             <a:endParaRPr lang="ru-RU"/>
           </a:p>
@@ -1307,7 +1217,7 @@
           <a:p>
             <a:fld id="{5250144E-2EE9-4D24-BB15-020C64D9191E}" type="datetimeFigureOut">
               <a:rPr lang="ru-RU" smtClean="0"/>
-              <a:t>28.06.2023</a:t>
+              <a:t>30.06.2023</a:t>
             </a:fld>
             <a:endParaRPr lang="ru-RU"/>
           </a:p>
@@ -1482,7 +1392,7 @@
           <a:p>
             <a:fld id="{5250144E-2EE9-4D24-BB15-020C64D9191E}" type="datetimeFigureOut">
               <a:rPr lang="ru-RU" smtClean="0"/>
-              <a:t>28.06.2023</a:t>
+              <a:t>30.06.2023</a:t>
             </a:fld>
             <a:endParaRPr lang="ru-RU"/>
           </a:p>
@@ -1651,7 +1561,7 @@
           <a:p>
             <a:fld id="{5250144E-2EE9-4D24-BB15-020C64D9191E}" type="datetimeFigureOut">
               <a:rPr lang="ru-RU" smtClean="0"/>
-              <a:t>28.06.2023</a:t>
+              <a:t>30.06.2023</a:t>
             </a:fld>
             <a:endParaRPr lang="ru-RU"/>
           </a:p>
@@ -2106,7 +2016,7 @@
           <a:p>
             <a:fld id="{5250144E-2EE9-4D24-BB15-020C64D9191E}" type="datetimeFigureOut">
               <a:rPr lang="ru-RU" smtClean="0"/>
-              <a:t>28.06.2023</a:t>
+              <a:t>30.06.2023</a:t>
             </a:fld>
             <a:endParaRPr lang="ru-RU"/>
           </a:p>
@@ -2370,7 +2280,7 @@
           <a:p>
             <a:fld id="{5250144E-2EE9-4D24-BB15-020C64D9191E}" type="datetimeFigureOut">
               <a:rPr lang="ru-RU" smtClean="0"/>
-              <a:t>28.06.2023</a:t>
+              <a:t>30.06.2023</a:t>
             </a:fld>
             <a:endParaRPr lang="ru-RU"/>
           </a:p>
@@ -2744,7 +2654,7 @@
           <a:p>
             <a:fld id="{5250144E-2EE9-4D24-BB15-020C64D9191E}" type="datetimeFigureOut">
               <a:rPr lang="ru-RU" smtClean="0"/>
-              <a:t>28.06.2023</a:t>
+              <a:t>30.06.2023</a:t>
             </a:fld>
             <a:endParaRPr lang="ru-RU"/>
           </a:p>
@@ -2866,7 +2776,7 @@
           <a:p>
             <a:fld id="{5250144E-2EE9-4D24-BB15-020C64D9191E}" type="datetimeFigureOut">
               <a:rPr lang="ru-RU" smtClean="0"/>
-              <a:t>28.06.2023</a:t>
+              <a:t>30.06.2023</a:t>
             </a:fld>
             <a:endParaRPr lang="ru-RU"/>
           </a:p>
@@ -2956,7 +2866,7 @@
           <a:p>
             <a:fld id="{5250144E-2EE9-4D24-BB15-020C64D9191E}" type="datetimeFigureOut">
               <a:rPr lang="ru-RU" smtClean="0"/>
-              <a:t>28.06.2023</a:t>
+              <a:t>30.06.2023</a:t>
             </a:fld>
             <a:endParaRPr lang="ru-RU"/>
           </a:p>
@@ -3205,7 +3115,7 @@
           <a:p>
             <a:fld id="{5250144E-2EE9-4D24-BB15-020C64D9191E}" type="datetimeFigureOut">
               <a:rPr lang="ru-RU" smtClean="0"/>
-              <a:t>28.06.2023</a:t>
+              <a:t>30.06.2023</a:t>
             </a:fld>
             <a:endParaRPr lang="ru-RU"/>
           </a:p>
@@ -3464,7 +3374,7 @@
           <a:p>
             <a:fld id="{5250144E-2EE9-4D24-BB15-020C64D9191E}" type="datetimeFigureOut">
               <a:rPr lang="ru-RU" smtClean="0"/>
-              <a:t>28.06.2023</a:t>
+              <a:t>30.06.2023</a:t>
             </a:fld>
             <a:endParaRPr lang="ru-RU"/>
           </a:p>
@@ -3868,7 +3778,7 @@
           <a:p>
             <a:fld id="{5250144E-2EE9-4D24-BB15-020C64D9191E}" type="datetimeFigureOut">
               <a:rPr lang="ru-RU" smtClean="0"/>
-              <a:t>28.06.2023</a:t>
+              <a:t>30.06.2023</a:t>
             </a:fld>
             <a:endParaRPr lang="ru-RU"/>
           </a:p>
@@ -4527,7 +4437,6 @@
               <a:rPr lang="ru-RU" dirty="0"/>
               <a:t>Диаграммы </a:t>
             </a:r>
-            <a:endParaRPr lang="ru-RU" dirty="0"/>
           </a:p>
         </p:txBody>
       </p:sp>
@@ -4552,9 +4461,12 @@
             </a:r>
             <a:r>
               <a:rPr lang="ru-RU" dirty="0"/>
-              <a:t>компонентов</a:t>
-            </a:r>
-            <a:endParaRPr lang="ru-RU" dirty="0" smtClean="0"/>
+              <a:t>потоков </a:t>
+            </a:r>
+            <a:r>
+              <a:rPr lang="ru-RU" dirty="0" smtClean="0"/>
+              <a:t>данных</a:t>
+            </a:r>
           </a:p>
           <a:p>
             <a:pPr marL="36576" indent="0">
@@ -4611,271 +4523,6 @@
         </p:nvSpPr>
         <p:spPr bwMode="auto">
           <a:xfrm>
-            <a:off x="2267744" y="2564904"/>
-            <a:ext cx="9144000" cy="0"/>
-          </a:xfrm>
-          <a:prstGeom prst="rect">
-            <a:avLst/>
-          </a:prstGeom>
-          <a:noFill/>
-          <a:ln>
-            <a:noFill/>
-          </a:ln>
-          <a:effectLst/>
-          <a:extLst>
-            <a:ext uri="{909E8E84-426E-40DD-AFC4-6F175D3DCCD1}">
-              <a14:hiddenFill xmlns:a14="http://schemas.microsoft.com/office/drawing/2010/main">
-                <a:solidFill>
-                  <a:schemeClr val="accent1"/>
-                </a:solidFill>
-              </a14:hiddenFill>
-            </a:ext>
-            <a:ext uri="{91240B29-F687-4F45-9708-019B960494DF}">
-              <a14:hiddenLine xmlns:a14="http://schemas.microsoft.com/office/drawing/2010/main" w="9525">
-                <a:solidFill>
-                  <a:schemeClr val="tx1"/>
-                </a:solidFill>
-                <a:miter lim="800000"/>
-                <a:headEnd/>
-                <a:tailEnd/>
-              </a14:hiddenLine>
-            </a:ext>
-            <a:ext uri="{AF507438-7753-43E0-B8FC-AC1667EBCBE1}">
-              <a14:hiddenEffects xmlns:a14="http://schemas.microsoft.com/office/drawing/2010/main">
-                <a:effectLst>
-                  <a:outerShdw dist="35921" dir="2700000" algn="ctr" rotWithShape="0">
-                    <a:schemeClr val="bg2"/>
-                  </a:outerShdw>
-                </a:effectLst>
-              </a14:hiddenEffects>
-            </a:ext>
-          </a:extLst>
-        </p:spPr>
-        <p:txBody>
-          <a:bodyPr vert="horz" wrap="none" lIns="91440" tIns="45720" rIns="91440" bIns="45720" numCol="1" anchor="ctr" anchorCtr="0" compatLnSpc="1">
-            <a:prstTxWarp prst="textNoShape">
-              <a:avLst/>
-            </a:prstTxWarp>
-            <a:spAutoFit/>
-          </a:bodyPr>
-          <a:lstStyle/>
-          <a:p>
-            <a:endParaRPr lang="ru-RU"/>
-          </a:p>
-        </p:txBody>
-      </p:sp>
-      <p:graphicFrame>
-        <p:nvGraphicFramePr>
-          <p:cNvPr id="6" name="Объект 5"/>
-          <p:cNvGraphicFramePr>
-            <a:graphicFrameLocks noChangeAspect="1"/>
-          </p:cNvGraphicFramePr>
-          <p:nvPr>
-            <p:extLst>
-              <p:ext uri="{D42A27DB-BD31-4B8C-83A1-F6EECF244321}">
-                <p14:modId xmlns:p14="http://schemas.microsoft.com/office/powerpoint/2010/main" val="4281008852"/>
-              </p:ext>
-            </p:extLst>
-          </p:nvPr>
-        </p:nvGraphicFramePr>
-        <p:xfrm>
-          <a:off x="1483990" y="2411764"/>
-          <a:ext cx="5456188" cy="3715639"/>
-        </p:xfrm>
-        <a:graphic>
-          <a:graphicData uri="http://schemas.openxmlformats.org/presentationml/2006/ole">
-            <mc:AlternateContent xmlns:mc="http://schemas.openxmlformats.org/markup-compatibility/2006">
-              <mc:Choice xmlns:v="urn:schemas-microsoft-com:vml" Requires="v">
-                <p:oleObj spid="_x0000_s4100" name="Visio" r:id="rId3" imgW="6686335" imgH="4533785" progId="Visio.Drawing.15">
-                  <p:embed/>
-                </p:oleObj>
-              </mc:Choice>
-              <mc:Fallback>
-                <p:oleObj name="Visio" r:id="rId3" imgW="6686335" imgH="4533785" progId="Visio.Drawing.15">
-                  <p:embed/>
-                  <p:pic>
-                    <p:nvPicPr>
-                      <p:cNvPr id="0" name="Object 1"/>
-                      <p:cNvPicPr>
-                        <a:picLocks noChangeAspect="1" noChangeArrowheads="1"/>
-                      </p:cNvPicPr>
-                      <p:nvPr/>
-                    </p:nvPicPr>
-                    <p:blipFill>
-                      <a:blip r:embed="rId4">
-                        <a:extLst>
-                          <a:ext uri="{28A0092B-C50C-407E-A947-70E740481C1C}">
-                            <a14:useLocalDpi xmlns:a14="http://schemas.microsoft.com/office/drawing/2010/main" val="0"/>
-                          </a:ext>
-                        </a:extLst>
-                      </a:blip>
-                      <a:srcRect/>
-                      <a:stretch>
-                        <a:fillRect/>
-                      </a:stretch>
-                    </p:blipFill>
-                    <p:spPr bwMode="auto">
-                      <a:xfrm>
-                        <a:off x="1483990" y="2411764"/>
-                        <a:ext cx="5456188" cy="3715639"/>
-                      </a:xfrm>
-                      <a:prstGeom prst="rect">
-                        <a:avLst/>
-                      </a:prstGeom>
-                      <a:solidFill>
-                        <a:schemeClr val="tx1"/>
-                      </a:solidFill>
-                    </p:spPr>
-                  </p:pic>
-                </p:oleObj>
-              </mc:Fallback>
-            </mc:AlternateContent>
-          </a:graphicData>
-        </a:graphic>
-      </p:graphicFrame>
-    </p:spTree>
-    <p:extLst>
-      <p:ext uri="{BB962C8B-B14F-4D97-AF65-F5344CB8AC3E}">
-        <p14:creationId xmlns:p14="http://schemas.microsoft.com/office/powerpoint/2010/main" val="623407474"/>
-      </p:ext>
-    </p:extLst>
-  </p:cSld>
-  <p:clrMapOvr>
-    <a:masterClrMapping/>
-  </p:clrMapOvr>
-</p:sld>
-</file>
-
-<file path=ppt/slides/slide11.xml><?xml version="1.0" encoding="utf-8"?>
-<p:sld xmlns:a="http://schemas.openxmlformats.org/drawingml/2006/main" xmlns:r="http://schemas.openxmlformats.org/officeDocument/2006/relationships" xmlns:p="http://schemas.openxmlformats.org/presentationml/2006/main">
-  <p:cSld>
-    <p:spTree>
-      <p:nvGrpSpPr>
-        <p:cNvPr id="1" name=""/>
-        <p:cNvGrpSpPr/>
-        <p:nvPr/>
-      </p:nvGrpSpPr>
-      <p:grpSpPr>
-        <a:xfrm>
-          <a:off x="0" y="0"/>
-          <a:ext cx="0" cy="0"/>
-          <a:chOff x="0" y="0"/>
-          <a:chExt cx="0" cy="0"/>
-        </a:xfrm>
-      </p:grpSpPr>
-      <p:sp>
-        <p:nvSpPr>
-          <p:cNvPr id="2" name="Заголовок 1"/>
-          <p:cNvSpPr>
-            <a:spLocks noGrp="1"/>
-          </p:cNvSpPr>
-          <p:nvPr>
-            <p:ph type="title"/>
-          </p:nvPr>
-        </p:nvSpPr>
-        <p:spPr/>
-        <p:txBody>
-          <a:bodyPr>
-            <a:normAutofit/>
-          </a:bodyPr>
-          <a:lstStyle/>
-          <a:p>
-            <a:r>
-              <a:rPr lang="en-US" dirty="0"/>
-              <a:t>UML </a:t>
-            </a:r>
-            <a:r>
-              <a:rPr lang="ru-RU" dirty="0"/>
-              <a:t>Диаграммы </a:t>
-            </a:r>
-            <a:endParaRPr lang="ru-RU" dirty="0"/>
-          </a:p>
-        </p:txBody>
-      </p:sp>
-      <p:sp>
-        <p:nvSpPr>
-          <p:cNvPr id="3" name="Содержимое 2"/>
-          <p:cNvSpPr>
-            <a:spLocks noGrp="1"/>
-          </p:cNvSpPr>
-          <p:nvPr>
-            <p:ph idx="1"/>
-          </p:nvPr>
-        </p:nvSpPr>
-        <p:spPr/>
-        <p:txBody>
-          <a:bodyPr/>
-          <a:lstStyle/>
-          <a:p>
-            <a:r>
-              <a:rPr lang="ru-RU" dirty="0" smtClean="0"/>
-              <a:t>Диаграмма </a:t>
-            </a:r>
-            <a:r>
-              <a:rPr lang="ru-RU" dirty="0"/>
-              <a:t>потоков </a:t>
-            </a:r>
-            <a:r>
-              <a:rPr lang="ru-RU" dirty="0" smtClean="0"/>
-              <a:t>данных</a:t>
-            </a:r>
-            <a:endParaRPr lang="ru-RU" dirty="0" smtClean="0"/>
-          </a:p>
-          <a:p>
-            <a:pPr marL="36576" indent="0">
-              <a:buNone/>
-            </a:pPr>
-            <a:endParaRPr lang="ru-RU" dirty="0"/>
-          </a:p>
-        </p:txBody>
-      </p:sp>
-      <p:sp>
-        <p:nvSpPr>
-          <p:cNvPr id="5" name="Rectangle 2"/>
-          <p:cNvSpPr>
-            <a:spLocks noChangeArrowheads="1"/>
-          </p:cNvSpPr>
-          <p:nvPr/>
-        </p:nvSpPr>
-        <p:spPr bwMode="auto">
-          <a:xfrm>
-            <a:off x="1075435" y="1445819"/>
-            <a:ext cx="9144000" cy="0"/>
-          </a:xfrm>
-          <a:prstGeom prst="rect">
-            <a:avLst/>
-          </a:prstGeom>
-          <a:solidFill>
-            <a:schemeClr val="bg1"/>
-          </a:solidFill>
-          <a:ln>
-            <a:noFill/>
-          </a:ln>
-          <a:effectLst/>
-        </p:spPr>
-        <p:txBody>
-          <a:bodyPr vert="horz" wrap="none" lIns="91440" tIns="45720" rIns="91440" bIns="45720" numCol="1" anchor="ctr" anchorCtr="0" compatLnSpc="1">
-            <a:prstTxWarp prst="textNoShape">
-              <a:avLst/>
-            </a:prstTxWarp>
-            <a:spAutoFit/>
-          </a:bodyPr>
-          <a:lstStyle/>
-          <a:p>
-            <a:endParaRPr lang="ru-RU"/>
-          </a:p>
-        </p:txBody>
-      </p:sp>
-      <p:sp>
-        <p:nvSpPr>
-          <p:cNvPr id="4" name="Rectangle 2"/>
-          <p:cNvSpPr>
-            <a:spLocks noChangeArrowheads="1"/>
-          </p:cNvSpPr>
-          <p:nvPr/>
-        </p:nvSpPr>
-        <p:spPr bwMode="auto">
-          <a:xfrm>
             <a:off x="1547664" y="2492896"/>
             <a:ext cx="9144000" cy="0"/>
           </a:xfrm>
@@ -4925,7 +4572,7 @@
           <a:graphicData uri="http://schemas.openxmlformats.org/presentationml/2006/ole">
             <mc:AlternateContent xmlns:mc="http://schemas.openxmlformats.org/markup-compatibility/2006">
               <mc:Choice xmlns:v="urn:schemas-microsoft-com:vml" Requires="v">
-                <p:oleObj spid="_x0000_s5124" name="Visio" r:id="rId3" imgW="5829042" imgH="2990735" progId="Visio.Drawing.15">
+                <p:oleObj spid="_x0000_s5126" name="Visio" r:id="rId3" imgW="5829042" imgH="2990735" progId="Visio.Drawing.15">
                   <p:embed/>
                 </p:oleObj>
               </mc:Choice>
@@ -4985,7 +4632,7 @@
 </p:sld>
 </file>
 
-<file path=ppt/slides/slide12.xml><?xml version="1.0" encoding="utf-8"?>
+<file path=ppt/slides/slide11.xml><?xml version="1.0" encoding="utf-8"?>
 <p:sld xmlns:a="http://schemas.openxmlformats.org/drawingml/2006/main" xmlns:r="http://schemas.openxmlformats.org/officeDocument/2006/relationships" xmlns:p="http://schemas.openxmlformats.org/presentationml/2006/main">
   <p:cSld>
     <p:spTree>
@@ -5027,7 +4674,6 @@
               <a:rPr lang="ru-RU" dirty="0"/>
               <a:t>Диаграммы </a:t>
             </a:r>
-            <a:endParaRPr lang="ru-RU" dirty="0"/>
           </a:p>
         </p:txBody>
       </p:sp>
@@ -5186,7 +4832,7 @@
           <a:graphicData uri="http://schemas.openxmlformats.org/presentationml/2006/ole">
             <mc:AlternateContent xmlns:mc="http://schemas.openxmlformats.org/markup-compatibility/2006">
               <mc:Choice xmlns:v="urn:schemas-microsoft-com:vml" Requires="v">
-                <p:oleObj spid="_x0000_s6148" name="Visio" r:id="rId3" imgW="8562953" imgH="4448060" progId="Visio.Drawing.15">
+                <p:oleObj spid="_x0000_s6150" name="Visio" r:id="rId3" imgW="8562953" imgH="4448060" progId="Visio.Drawing.15">
                   <p:embed/>
                 </p:oleObj>
               </mc:Choice>
@@ -5246,7 +4892,7 @@
 </p:sld>
 </file>
 
-<file path=ppt/slides/slide13.xml><?xml version="1.0" encoding="utf-8"?>
+<file path=ppt/slides/slide12.xml><?xml version="1.0" encoding="utf-8"?>
 <p:sld xmlns:a="http://schemas.openxmlformats.org/drawingml/2006/main" xmlns:r="http://schemas.openxmlformats.org/officeDocument/2006/relationships" xmlns:p="http://schemas.openxmlformats.org/presentationml/2006/main">
   <p:cSld>
     <p:spTree>
@@ -5288,7 +4934,6 @@
               <a:rPr lang="ru-RU" dirty="0"/>
               <a:t>Диаграммы </a:t>
             </a:r>
-            <a:endParaRPr lang="ru-RU" dirty="0"/>
           </a:p>
         </p:txBody>
       </p:sp>
@@ -5447,7 +5092,7 @@
           <a:graphicData uri="http://schemas.openxmlformats.org/presentationml/2006/ole">
             <mc:AlternateContent xmlns:mc="http://schemas.openxmlformats.org/markup-compatibility/2006">
               <mc:Choice xmlns:v="urn:schemas-microsoft-com:vml" Requires="v">
-                <p:oleObj spid="_x0000_s7172" name="Visio" r:id="rId3" imgW="3457381" imgH="8286750" progId="Visio.Drawing.15">
+                <p:oleObj spid="_x0000_s7174" name="Visio" r:id="rId3" imgW="3457381" imgH="8286750" progId="Visio.Drawing.15">
                   <p:embed/>
                 </p:oleObj>
               </mc:Choice>
@@ -5507,7 +5152,7 @@
 </p:sld>
 </file>
 
-<file path=ppt/slides/slide14.xml><?xml version="1.0" encoding="utf-8"?>
+<file path=ppt/slides/slide13.xml><?xml version="1.0" encoding="utf-8"?>
 <p:sld xmlns:a="http://schemas.openxmlformats.org/drawingml/2006/main" xmlns:r="http://schemas.openxmlformats.org/officeDocument/2006/relationships" xmlns:p="http://schemas.openxmlformats.org/presentationml/2006/main">
   <p:cSld>
     <p:spTree>
@@ -5549,7 +5194,6 @@
               <a:rPr lang="ru-RU" dirty="0"/>
               <a:t>Диаграммы </a:t>
             </a:r>
-            <a:endParaRPr lang="ru-RU" dirty="0"/>
           </a:p>
         </p:txBody>
       </p:sp>
@@ -5708,7 +5352,7 @@
           <a:graphicData uri="http://schemas.openxmlformats.org/presentationml/2006/ole">
             <mc:AlternateContent xmlns:mc="http://schemas.openxmlformats.org/markup-compatibility/2006">
               <mc:Choice xmlns:v="urn:schemas-microsoft-com:vml" Requires="v">
-                <p:oleObj spid="_x0000_s8196" name="Visio" r:id="rId3" imgW="8934493" imgH="2990735" progId="Visio.Drawing.15">
+                <p:oleObj spid="_x0000_s8198" name="Visio" r:id="rId3" imgW="8934493" imgH="2990735" progId="Visio.Drawing.15">
                   <p:embed/>
                 </p:oleObj>
               </mc:Choice>
@@ -5768,7 +5412,7 @@
 </p:sld>
 </file>
 
-<file path=ppt/slides/slide15.xml><?xml version="1.0" encoding="utf-8"?>
+<file path=ppt/slides/slide14.xml><?xml version="1.0" encoding="utf-8"?>
 <p:sld xmlns:a="http://schemas.openxmlformats.org/drawingml/2006/main" xmlns:r="http://schemas.openxmlformats.org/officeDocument/2006/relationships" xmlns:p="http://schemas.openxmlformats.org/presentationml/2006/main">
   <p:cSld>
     <p:spTree>
@@ -5804,35 +5448,6 @@
               <a:rPr lang="ru-RU" dirty="0"/>
               <a:t>Демонстрация программы</a:t>
             </a:r>
-            <a:endParaRPr lang="ru-RU" dirty="0"/>
-          </a:p>
-        </p:txBody>
-      </p:sp>
-      <p:sp>
-        <p:nvSpPr>
-          <p:cNvPr id="4" name="Объект 3"/>
-          <p:cNvSpPr>
-            <a:spLocks noGrp="1"/>
-          </p:cNvSpPr>
-          <p:nvPr>
-            <p:ph idx="1"/>
-          </p:nvPr>
-        </p:nvSpPr>
-        <p:spPr>
-          <a:xfrm>
-            <a:off x="471559" y="1417638"/>
-            <a:ext cx="7467600" cy="4525963"/>
-          </a:xfrm>
-        </p:spPr>
-        <p:txBody>
-          <a:bodyPr/>
-          <a:lstStyle/>
-          <a:p>
-            <a:r>
-              <a:rPr lang="ru-RU" dirty="0" smtClean="0"/>
-              <a:t>Окно авторизации</a:t>
-            </a:r>
-            <a:endParaRPr lang="ru-RU" dirty="0"/>
           </a:p>
         </p:txBody>
       </p:sp>
@@ -5871,7 +5486,7 @@
 </p:sld>
 </file>
 
-<file path=ppt/slides/slide16.xml><?xml version="1.0" encoding="utf-8"?>
+<file path=ppt/slides/slide15.xml><?xml version="1.0" encoding="utf-8"?>
 <p:sld xmlns:a="http://schemas.openxmlformats.org/drawingml/2006/main" xmlns:r="http://schemas.openxmlformats.org/officeDocument/2006/relationships" xmlns:p="http://schemas.openxmlformats.org/presentationml/2006/main">
   <p:cSld>
     <p:spTree>
@@ -5898,777 +5513,6 @@
             <p:ph type="title"/>
           </p:nvPr>
         </p:nvSpPr>
-        <p:spPr/>
-        <p:txBody>
-          <a:bodyPr/>
-          <a:lstStyle/>
-          <a:p>
-            <a:r>
-              <a:rPr lang="ru-RU" dirty="0"/>
-              <a:t>Демонстрация программы</a:t>
-            </a:r>
-            <a:endParaRPr lang="ru-RU" dirty="0"/>
-          </a:p>
-        </p:txBody>
-      </p:sp>
-      <p:sp>
-        <p:nvSpPr>
-          <p:cNvPr id="4" name="Объект 3"/>
-          <p:cNvSpPr>
-            <a:spLocks noGrp="1"/>
-          </p:cNvSpPr>
-          <p:nvPr>
-            <p:ph idx="1"/>
-          </p:nvPr>
-        </p:nvSpPr>
-        <p:spPr>
-          <a:xfrm>
-            <a:off x="471559" y="1417638"/>
-            <a:ext cx="7467600" cy="4525963"/>
-          </a:xfrm>
-        </p:spPr>
-        <p:txBody>
-          <a:bodyPr/>
-          <a:lstStyle/>
-          <a:p>
-            <a:r>
-              <a:rPr lang="ru-RU" dirty="0" smtClean="0"/>
-              <a:t>Окно администратора</a:t>
-            </a:r>
-            <a:endParaRPr lang="ru-RU" dirty="0"/>
-          </a:p>
-        </p:txBody>
-      </p:sp>
-      <p:pic>
-        <p:nvPicPr>
-          <p:cNvPr id="5" name="Рисунок 4"/>
-          <p:cNvPicPr/>
-          <p:nvPr/>
-        </p:nvPicPr>
-        <p:blipFill>
-          <a:blip r:embed="rId2"/>
-          <a:stretch>
-            <a:fillRect/>
-          </a:stretch>
-        </p:blipFill>
-        <p:spPr>
-          <a:xfrm>
-            <a:off x="1547664" y="2348880"/>
-            <a:ext cx="5940425" cy="3414395"/>
-          </a:xfrm>
-          <a:prstGeom prst="rect">
-            <a:avLst/>
-          </a:prstGeom>
-        </p:spPr>
-      </p:pic>
-    </p:spTree>
-    <p:extLst>
-      <p:ext uri="{BB962C8B-B14F-4D97-AF65-F5344CB8AC3E}">
-        <p14:creationId xmlns:p14="http://schemas.microsoft.com/office/powerpoint/2010/main" val="3122041399"/>
-      </p:ext>
-    </p:extLst>
-  </p:cSld>
-  <p:clrMapOvr>
-    <a:masterClrMapping/>
-  </p:clrMapOvr>
-</p:sld>
-</file>
-
-<file path=ppt/slides/slide17.xml><?xml version="1.0" encoding="utf-8"?>
-<p:sld xmlns:a="http://schemas.openxmlformats.org/drawingml/2006/main" xmlns:r="http://schemas.openxmlformats.org/officeDocument/2006/relationships" xmlns:p="http://schemas.openxmlformats.org/presentationml/2006/main">
-  <p:cSld>
-    <p:spTree>
-      <p:nvGrpSpPr>
-        <p:cNvPr id="1" name=""/>
-        <p:cNvGrpSpPr/>
-        <p:nvPr/>
-      </p:nvGrpSpPr>
-      <p:grpSpPr>
-        <a:xfrm>
-          <a:off x="0" y="0"/>
-          <a:ext cx="0" cy="0"/>
-          <a:chOff x="0" y="0"/>
-          <a:chExt cx="0" cy="0"/>
-        </a:xfrm>
-      </p:grpSpPr>
-      <p:sp>
-        <p:nvSpPr>
-          <p:cNvPr id="2" name="Заголовок 1"/>
-          <p:cNvSpPr>
-            <a:spLocks noGrp="1"/>
-          </p:cNvSpPr>
-          <p:nvPr>
-            <p:ph type="title"/>
-          </p:nvPr>
-        </p:nvSpPr>
-        <p:spPr/>
-        <p:txBody>
-          <a:bodyPr/>
-          <a:lstStyle/>
-          <a:p>
-            <a:r>
-              <a:rPr lang="ru-RU" dirty="0"/>
-              <a:t>Демонстрация программы</a:t>
-            </a:r>
-            <a:endParaRPr lang="ru-RU" dirty="0"/>
-          </a:p>
-        </p:txBody>
-      </p:sp>
-      <p:sp>
-        <p:nvSpPr>
-          <p:cNvPr id="4" name="Объект 3"/>
-          <p:cNvSpPr>
-            <a:spLocks noGrp="1"/>
-          </p:cNvSpPr>
-          <p:nvPr>
-            <p:ph idx="1"/>
-          </p:nvPr>
-        </p:nvSpPr>
-        <p:spPr>
-          <a:xfrm>
-            <a:off x="471559" y="1417638"/>
-            <a:ext cx="7467600" cy="4525963"/>
-          </a:xfrm>
-        </p:spPr>
-        <p:txBody>
-          <a:bodyPr/>
-          <a:lstStyle/>
-          <a:p>
-            <a:r>
-              <a:rPr lang="ru-RU" dirty="0" smtClean="0"/>
-              <a:t>Окно сотрудника</a:t>
-            </a:r>
-            <a:endParaRPr lang="ru-RU" dirty="0"/>
-          </a:p>
-        </p:txBody>
-      </p:sp>
-      <p:pic>
-        <p:nvPicPr>
-          <p:cNvPr id="6" name="Рисунок 5"/>
-          <p:cNvPicPr/>
-          <p:nvPr/>
-        </p:nvPicPr>
-        <p:blipFill>
-          <a:blip r:embed="rId2"/>
-          <a:stretch>
-            <a:fillRect/>
-          </a:stretch>
-        </p:blipFill>
-        <p:spPr>
-          <a:xfrm>
-            <a:off x="1403648" y="2204864"/>
-            <a:ext cx="5940425" cy="3230880"/>
-          </a:xfrm>
-          <a:prstGeom prst="rect">
-            <a:avLst/>
-          </a:prstGeom>
-        </p:spPr>
-      </p:pic>
-    </p:spTree>
-    <p:extLst>
-      <p:ext uri="{BB962C8B-B14F-4D97-AF65-F5344CB8AC3E}">
-        <p14:creationId xmlns:p14="http://schemas.microsoft.com/office/powerpoint/2010/main" val="82246273"/>
-      </p:ext>
-    </p:extLst>
-  </p:cSld>
-  <p:clrMapOvr>
-    <a:masterClrMapping/>
-  </p:clrMapOvr>
-</p:sld>
-</file>
-
-<file path=ppt/slides/slide18.xml><?xml version="1.0" encoding="utf-8"?>
-<p:sld xmlns:a="http://schemas.openxmlformats.org/drawingml/2006/main" xmlns:r="http://schemas.openxmlformats.org/officeDocument/2006/relationships" xmlns:p="http://schemas.openxmlformats.org/presentationml/2006/main">
-  <p:cSld>
-    <p:spTree>
-      <p:nvGrpSpPr>
-        <p:cNvPr id="1" name=""/>
-        <p:cNvGrpSpPr/>
-        <p:nvPr/>
-      </p:nvGrpSpPr>
-      <p:grpSpPr>
-        <a:xfrm>
-          <a:off x="0" y="0"/>
-          <a:ext cx="0" cy="0"/>
-          <a:chOff x="0" y="0"/>
-          <a:chExt cx="0" cy="0"/>
-        </a:xfrm>
-      </p:grpSpPr>
-      <p:sp>
-        <p:nvSpPr>
-          <p:cNvPr id="2" name="Заголовок 1"/>
-          <p:cNvSpPr>
-            <a:spLocks noGrp="1"/>
-          </p:cNvSpPr>
-          <p:nvPr>
-            <p:ph type="title"/>
-          </p:nvPr>
-        </p:nvSpPr>
-        <p:spPr/>
-        <p:txBody>
-          <a:bodyPr/>
-          <a:lstStyle/>
-          <a:p>
-            <a:r>
-              <a:rPr lang="ru-RU" dirty="0"/>
-              <a:t>Демонстрация программы</a:t>
-            </a:r>
-            <a:endParaRPr lang="ru-RU" dirty="0"/>
-          </a:p>
-        </p:txBody>
-      </p:sp>
-      <p:sp>
-        <p:nvSpPr>
-          <p:cNvPr id="4" name="Объект 3"/>
-          <p:cNvSpPr>
-            <a:spLocks noGrp="1"/>
-          </p:cNvSpPr>
-          <p:nvPr>
-            <p:ph idx="1"/>
-          </p:nvPr>
-        </p:nvSpPr>
-        <p:spPr>
-          <a:xfrm>
-            <a:off x="471559" y="1417638"/>
-            <a:ext cx="7467600" cy="4525963"/>
-          </a:xfrm>
-        </p:spPr>
-        <p:txBody>
-          <a:bodyPr/>
-          <a:lstStyle/>
-          <a:p>
-            <a:r>
-              <a:rPr lang="ru-RU" dirty="0" smtClean="0"/>
-              <a:t>Окно добавления товара</a:t>
-            </a:r>
-            <a:endParaRPr lang="ru-RU" dirty="0"/>
-          </a:p>
-        </p:txBody>
-      </p:sp>
-      <p:pic>
-        <p:nvPicPr>
-          <p:cNvPr id="3" name="Рисунок 2"/>
-          <p:cNvPicPr>
-            <a:picLocks noChangeAspect="1"/>
-          </p:cNvPicPr>
-          <p:nvPr/>
-        </p:nvPicPr>
-        <p:blipFill>
-          <a:blip r:embed="rId2"/>
-          <a:stretch>
-            <a:fillRect/>
-          </a:stretch>
-        </p:blipFill>
-        <p:spPr>
-          <a:xfrm>
-            <a:off x="899592" y="2276872"/>
-            <a:ext cx="6848475" cy="3324225"/>
-          </a:xfrm>
-          <a:prstGeom prst="rect">
-            <a:avLst/>
-          </a:prstGeom>
-        </p:spPr>
-      </p:pic>
-    </p:spTree>
-    <p:extLst>
-      <p:ext uri="{BB962C8B-B14F-4D97-AF65-F5344CB8AC3E}">
-        <p14:creationId xmlns:p14="http://schemas.microsoft.com/office/powerpoint/2010/main" val="2646033946"/>
-      </p:ext>
-    </p:extLst>
-  </p:cSld>
-  <p:clrMapOvr>
-    <a:masterClrMapping/>
-  </p:clrMapOvr>
-</p:sld>
-</file>
-
-<file path=ppt/slides/slide19.xml><?xml version="1.0" encoding="utf-8"?>
-<p:sld xmlns:a="http://schemas.openxmlformats.org/drawingml/2006/main" xmlns:r="http://schemas.openxmlformats.org/officeDocument/2006/relationships" xmlns:p="http://schemas.openxmlformats.org/presentationml/2006/main">
-  <p:cSld>
-    <p:spTree>
-      <p:nvGrpSpPr>
-        <p:cNvPr id="1" name=""/>
-        <p:cNvGrpSpPr/>
-        <p:nvPr/>
-      </p:nvGrpSpPr>
-      <p:grpSpPr>
-        <a:xfrm>
-          <a:off x="0" y="0"/>
-          <a:ext cx="0" cy="0"/>
-          <a:chOff x="0" y="0"/>
-          <a:chExt cx="0" cy="0"/>
-        </a:xfrm>
-      </p:grpSpPr>
-      <p:sp>
-        <p:nvSpPr>
-          <p:cNvPr id="2" name="Заголовок 1"/>
-          <p:cNvSpPr>
-            <a:spLocks noGrp="1"/>
-          </p:cNvSpPr>
-          <p:nvPr>
-            <p:ph type="title"/>
-          </p:nvPr>
-        </p:nvSpPr>
-        <p:spPr/>
-        <p:txBody>
-          <a:bodyPr/>
-          <a:lstStyle/>
-          <a:p>
-            <a:r>
-              <a:rPr lang="ru-RU" dirty="0"/>
-              <a:t>Демонстрация программы</a:t>
-            </a:r>
-            <a:endParaRPr lang="ru-RU" dirty="0"/>
-          </a:p>
-        </p:txBody>
-      </p:sp>
-      <p:sp>
-        <p:nvSpPr>
-          <p:cNvPr id="4" name="Объект 3"/>
-          <p:cNvSpPr>
-            <a:spLocks noGrp="1"/>
-          </p:cNvSpPr>
-          <p:nvPr>
-            <p:ph idx="1"/>
-          </p:nvPr>
-        </p:nvSpPr>
-        <p:spPr>
-          <a:xfrm>
-            <a:off x="471558" y="1417638"/>
-            <a:ext cx="7628833" cy="4525963"/>
-          </a:xfrm>
-        </p:spPr>
-        <p:txBody>
-          <a:bodyPr/>
-          <a:lstStyle/>
-          <a:p>
-            <a:r>
-              <a:rPr lang="ru-RU" dirty="0" smtClean="0"/>
-              <a:t>Окно изменения или добавления цены</a:t>
-            </a:r>
-            <a:endParaRPr lang="ru-RU" dirty="0"/>
-          </a:p>
-        </p:txBody>
-      </p:sp>
-      <p:pic>
-        <p:nvPicPr>
-          <p:cNvPr id="5" name="Рисунок 4"/>
-          <p:cNvPicPr/>
-          <p:nvPr/>
-        </p:nvPicPr>
-        <p:blipFill>
-          <a:blip r:embed="rId2"/>
-          <a:stretch>
-            <a:fillRect/>
-          </a:stretch>
-        </p:blipFill>
-        <p:spPr>
-          <a:xfrm>
-            <a:off x="1220787" y="2539843"/>
-            <a:ext cx="5940425" cy="3064510"/>
-          </a:xfrm>
-          <a:prstGeom prst="rect">
-            <a:avLst/>
-          </a:prstGeom>
-        </p:spPr>
-      </p:pic>
-    </p:spTree>
-    <p:extLst>
-      <p:ext uri="{BB962C8B-B14F-4D97-AF65-F5344CB8AC3E}">
-        <p14:creationId xmlns:p14="http://schemas.microsoft.com/office/powerpoint/2010/main" val="2524763051"/>
-      </p:ext>
-    </p:extLst>
-  </p:cSld>
-  <p:clrMapOvr>
-    <a:masterClrMapping/>
-  </p:clrMapOvr>
-</p:sld>
-</file>
-
-<file path=ppt/slides/slide2.xml><?xml version="1.0" encoding="utf-8"?>
-<p:sld xmlns:a="http://schemas.openxmlformats.org/drawingml/2006/main" xmlns:r="http://schemas.openxmlformats.org/officeDocument/2006/relationships" xmlns:p="http://schemas.openxmlformats.org/presentationml/2006/main">
-  <p:cSld>
-    <p:spTree>
-      <p:nvGrpSpPr>
-        <p:cNvPr id="1" name=""/>
-        <p:cNvGrpSpPr/>
-        <p:nvPr/>
-      </p:nvGrpSpPr>
-      <p:grpSpPr>
-        <a:xfrm>
-          <a:off x="0" y="0"/>
-          <a:ext cx="0" cy="0"/>
-          <a:chOff x="0" y="0"/>
-          <a:chExt cx="0" cy="0"/>
-        </a:xfrm>
-      </p:grpSpPr>
-      <p:sp>
-        <p:nvSpPr>
-          <p:cNvPr id="2" name="Заголовок 1"/>
-          <p:cNvSpPr>
-            <a:spLocks noGrp="1"/>
-          </p:cNvSpPr>
-          <p:nvPr>
-            <p:ph type="title"/>
-          </p:nvPr>
-        </p:nvSpPr>
-        <p:spPr/>
-        <p:txBody>
-          <a:bodyPr/>
-          <a:lstStyle/>
-          <a:p>
-            <a:r>
-              <a:rPr lang="ru-RU" dirty="0" smtClean="0"/>
-              <a:t>База практики</a:t>
-            </a:r>
-            <a:endParaRPr lang="ru-RU" dirty="0"/>
-          </a:p>
-        </p:txBody>
-      </p:sp>
-      <p:sp>
-        <p:nvSpPr>
-          <p:cNvPr id="3" name="Содержимое 2"/>
-          <p:cNvSpPr>
-            <a:spLocks noGrp="1"/>
-          </p:cNvSpPr>
-          <p:nvPr>
-            <p:ph idx="1"/>
-          </p:nvPr>
-        </p:nvSpPr>
-        <p:spPr>
-          <a:xfrm>
-            <a:off x="457200" y="1600201"/>
-            <a:ext cx="7467600" cy="2836911"/>
-          </a:xfrm>
-        </p:spPr>
-        <p:txBody>
-          <a:bodyPr>
-            <a:normAutofit fontScale="85000" lnSpcReduction="20000"/>
-          </a:bodyPr>
-          <a:lstStyle/>
-          <a:p>
-            <a:r>
-              <a:rPr lang="ru-RU" sz="2000" dirty="0" smtClean="0"/>
-              <a:t>Название организации: Мастер Софт.</a:t>
-            </a:r>
-          </a:p>
-          <a:p>
-            <a:r>
-              <a:rPr lang="ru-RU" sz="2000" dirty="0" smtClean="0"/>
-              <a:t>Контактный адрес</a:t>
-            </a:r>
-            <a:r>
-              <a:rPr lang="ru-RU" sz="2100" dirty="0"/>
-              <a:t>: ул. </a:t>
-            </a:r>
-            <a:r>
-              <a:rPr lang="ru-RU" sz="2100" dirty="0" err="1"/>
-              <a:t>Маклина</a:t>
-            </a:r>
-            <a:r>
-              <a:rPr lang="ru-RU" sz="2100" dirty="0"/>
-              <a:t>, 40, Киров</a:t>
-            </a:r>
-            <a:r>
-              <a:rPr lang="ru-RU" sz="2000" dirty="0" smtClean="0"/>
-              <a:t>.</a:t>
-            </a:r>
-          </a:p>
-          <a:p>
-            <a:r>
-              <a:rPr lang="ru-RU" sz="2000" dirty="0" smtClean="0"/>
-              <a:t>Номер телефона: </a:t>
-            </a:r>
-            <a:r>
-              <a:rPr lang="ru-RU" sz="2100" dirty="0" smtClean="0"/>
-              <a:t>+</a:t>
-            </a:r>
-            <a:r>
-              <a:rPr lang="ru-RU" sz="2100" dirty="0"/>
-              <a:t>7 (8332) 22-22-44,.</a:t>
-            </a:r>
-          </a:p>
-          <a:p>
-            <a:r>
-              <a:rPr lang="ru-RU" sz="2000" dirty="0" smtClean="0"/>
-              <a:t>Сфера деятельности организации</a:t>
-            </a:r>
-            <a:r>
-              <a:rPr lang="en-US" sz="2000" dirty="0" smtClean="0"/>
-              <a:t>: </a:t>
-            </a:r>
-            <a:r>
-              <a:rPr lang="ru-RU" sz="2000" dirty="0" smtClean="0"/>
-              <a:t>выполнение работ, оказание услуг в сфере 1С.</a:t>
-            </a:r>
-          </a:p>
-          <a:p>
-            <a:r>
-              <a:rPr lang="ru-RU" sz="2000" dirty="0" smtClean="0"/>
-              <a:t>ФИО программиста</a:t>
-            </a:r>
-            <a:r>
-              <a:rPr lang="ru-RU" sz="2000" dirty="0"/>
-              <a:t>: Кузнецова Елизавета Сергеевна </a:t>
-            </a:r>
-            <a:endParaRPr lang="ru-RU" sz="2000" dirty="0" smtClean="0"/>
-          </a:p>
-          <a:p>
-            <a:r>
-              <a:rPr lang="ru-RU" sz="2000" dirty="0" smtClean="0"/>
-              <a:t>Должностные обязанности: осуществляет руководство отделением многопрофильного колледжа, организует текущее и перспективное планирование его деятельности.</a:t>
-            </a:r>
-          </a:p>
-          <a:p>
-            <a:r>
-              <a:rPr lang="ru-RU" sz="2000" dirty="0" smtClean="0"/>
-              <a:t>Наименование используемых программ: </a:t>
-            </a:r>
-            <a:r>
-              <a:rPr lang="en-US" sz="2100" dirty="0"/>
-              <a:t>1C:</a:t>
-            </a:r>
-            <a:r>
-              <a:rPr lang="ru-RU" sz="2100" dirty="0" smtClean="0"/>
-              <a:t>Предприятие</a:t>
-            </a:r>
-            <a:r>
-              <a:rPr lang="en-US" sz="2000" dirty="0" smtClean="0"/>
-              <a:t>, Visio, PowerPoint, Microsoft Word. </a:t>
-            </a:r>
-            <a:endParaRPr lang="ru-RU" sz="2000" dirty="0" smtClean="0"/>
-          </a:p>
-        </p:txBody>
-      </p:sp>
-      <p:sp>
-        <p:nvSpPr>
-          <p:cNvPr id="5" name="TextBox 4"/>
-          <p:cNvSpPr txBox="1"/>
-          <p:nvPr/>
-        </p:nvSpPr>
-        <p:spPr>
-          <a:xfrm>
-            <a:off x="429686" y="4581128"/>
-            <a:ext cx="2520280" cy="369332"/>
-          </a:xfrm>
-          <a:prstGeom prst="rect">
-            <a:avLst/>
-          </a:prstGeom>
-          <a:noFill/>
-        </p:spPr>
-        <p:txBody>
-          <a:bodyPr wrap="square" rtlCol="0">
-            <a:spAutoFit/>
-          </a:bodyPr>
-          <a:lstStyle/>
-          <a:p>
-            <a:r>
-              <a:rPr lang="ru-RU" dirty="0" smtClean="0"/>
-              <a:t>Фото предприятия:</a:t>
-            </a:r>
-            <a:endParaRPr lang="ru-RU" dirty="0"/>
-          </a:p>
-        </p:txBody>
-      </p:sp>
-      <p:pic>
-        <p:nvPicPr>
-          <p:cNvPr id="7" name="Рисунок 6"/>
-          <p:cNvPicPr>
-            <a:picLocks noChangeAspect="1"/>
-          </p:cNvPicPr>
-          <p:nvPr/>
-        </p:nvPicPr>
-        <p:blipFill>
-          <a:blip r:embed="rId2"/>
-          <a:stretch>
-            <a:fillRect/>
-          </a:stretch>
-        </p:blipFill>
-        <p:spPr>
-          <a:xfrm>
-            <a:off x="3851920" y="4293096"/>
-            <a:ext cx="3240360" cy="2395048"/>
-          </a:xfrm>
-          <a:prstGeom prst="rect">
-            <a:avLst/>
-          </a:prstGeom>
-          <a:solidFill>
-            <a:srgbClr val="FFFFFF">
-              <a:shade val="85000"/>
-            </a:srgbClr>
-          </a:solidFill>
-          <a:ln w="88900" cap="sq">
-            <a:solidFill>
-              <a:srgbClr val="FFFFFF"/>
-            </a:solidFill>
-            <a:miter lim="800000"/>
-          </a:ln>
-          <a:effectLst>
-            <a:outerShdw blurRad="55000" dist="18000" dir="5400000" algn="tl" rotWithShape="0">
-              <a:srgbClr val="000000">
-                <a:alpha val="40000"/>
-              </a:srgbClr>
-            </a:outerShdw>
-          </a:effectLst>
-          <a:scene3d>
-            <a:camera prst="orthographicFront"/>
-            <a:lightRig rig="twoPt" dir="t">
-              <a:rot lat="0" lon="0" rev="7200000"/>
-            </a:lightRig>
-          </a:scene3d>
-          <a:sp3d>
-            <a:bevelT w="25400" h="19050"/>
-            <a:contourClr>
-              <a:srgbClr val="FFFFFF"/>
-            </a:contourClr>
-          </a:sp3d>
-        </p:spPr>
-      </p:pic>
-    </p:spTree>
-  </p:cSld>
-  <p:clrMapOvr>
-    <a:masterClrMapping/>
-  </p:clrMapOvr>
-  <p:timing>
-    <p:tnLst>
-      <p:par>
-        <p:cTn id="1" dur="indefinite" restart="never" nodeType="tmRoot"/>
-      </p:par>
-    </p:tnLst>
-  </p:timing>
-</p:sld>
-</file>
-
-<file path=ppt/slides/slide20.xml><?xml version="1.0" encoding="utf-8"?>
-<p:sld xmlns:a="http://schemas.openxmlformats.org/drawingml/2006/main" xmlns:r="http://schemas.openxmlformats.org/officeDocument/2006/relationships" xmlns:p="http://schemas.openxmlformats.org/presentationml/2006/main">
-  <p:cSld>
-    <p:spTree>
-      <p:nvGrpSpPr>
-        <p:cNvPr id="1" name=""/>
-        <p:cNvGrpSpPr/>
-        <p:nvPr/>
-      </p:nvGrpSpPr>
-      <p:grpSpPr>
-        <a:xfrm>
-          <a:off x="0" y="0"/>
-          <a:ext cx="0" cy="0"/>
-          <a:chOff x="0" y="0"/>
-          <a:chExt cx="0" cy="0"/>
-        </a:xfrm>
-      </p:grpSpPr>
-      <p:sp>
-        <p:nvSpPr>
-          <p:cNvPr id="2" name="Заголовок 1"/>
-          <p:cNvSpPr>
-            <a:spLocks noGrp="1"/>
-          </p:cNvSpPr>
-          <p:nvPr>
-            <p:ph type="title"/>
-          </p:nvPr>
-        </p:nvSpPr>
-        <p:spPr/>
-        <p:txBody>
-          <a:bodyPr/>
-          <a:lstStyle/>
-          <a:p>
-            <a:r>
-              <a:rPr lang="ru-RU" dirty="0"/>
-              <a:t>Демонстрация программы</a:t>
-            </a:r>
-            <a:endParaRPr lang="ru-RU" dirty="0"/>
-          </a:p>
-        </p:txBody>
-      </p:sp>
-      <p:sp>
-        <p:nvSpPr>
-          <p:cNvPr id="4" name="Объект 3"/>
-          <p:cNvSpPr>
-            <a:spLocks noGrp="1"/>
-          </p:cNvSpPr>
-          <p:nvPr>
-            <p:ph idx="1"/>
-          </p:nvPr>
-        </p:nvSpPr>
-        <p:spPr>
-          <a:xfrm>
-            <a:off x="471558" y="1417638"/>
-            <a:ext cx="7628833" cy="4525963"/>
-          </a:xfrm>
-        </p:spPr>
-        <p:txBody>
-          <a:bodyPr/>
-          <a:lstStyle/>
-          <a:p>
-            <a:r>
-              <a:rPr lang="ru-RU" dirty="0" smtClean="0"/>
-              <a:t>Окно отчёта</a:t>
-            </a:r>
-            <a:endParaRPr lang="ru-RU" dirty="0"/>
-          </a:p>
-        </p:txBody>
-      </p:sp>
-      <p:pic>
-        <p:nvPicPr>
-          <p:cNvPr id="6" name="Рисунок 5"/>
-          <p:cNvPicPr/>
-          <p:nvPr/>
-        </p:nvPicPr>
-        <p:blipFill>
-          <a:blip r:embed="rId2"/>
-          <a:stretch>
-            <a:fillRect/>
-          </a:stretch>
-        </p:blipFill>
-        <p:spPr>
-          <a:xfrm>
-            <a:off x="1315761" y="2348880"/>
-            <a:ext cx="5940425" cy="3327400"/>
-          </a:xfrm>
-          <a:prstGeom prst="rect">
-            <a:avLst/>
-          </a:prstGeom>
-        </p:spPr>
-      </p:pic>
-    </p:spTree>
-    <p:extLst>
-      <p:ext uri="{BB962C8B-B14F-4D97-AF65-F5344CB8AC3E}">
-        <p14:creationId xmlns:p14="http://schemas.microsoft.com/office/powerpoint/2010/main" val="1027583781"/>
-      </p:ext>
-    </p:extLst>
-  </p:cSld>
-  <p:clrMapOvr>
-    <a:masterClrMapping/>
-  </p:clrMapOvr>
-</p:sld>
-</file>
-
-<file path=ppt/slides/slide21.xml><?xml version="1.0" encoding="utf-8"?>
-<p:sld xmlns:a="http://schemas.openxmlformats.org/drawingml/2006/main" xmlns:r="http://schemas.openxmlformats.org/officeDocument/2006/relationships" xmlns:p="http://schemas.openxmlformats.org/presentationml/2006/main">
-  <p:cSld>
-    <p:spTree>
-      <p:nvGrpSpPr>
-        <p:cNvPr id="1" name=""/>
-        <p:cNvGrpSpPr/>
-        <p:nvPr/>
-      </p:nvGrpSpPr>
-      <p:grpSpPr>
-        <a:xfrm>
-          <a:off x="0" y="0"/>
-          <a:ext cx="0" cy="0"/>
-          <a:chOff x="0" y="0"/>
-          <a:chExt cx="0" cy="0"/>
-        </a:xfrm>
-      </p:grpSpPr>
-      <p:sp>
-        <p:nvSpPr>
-          <p:cNvPr id="2" name="Заголовок 1"/>
-          <p:cNvSpPr>
-            <a:spLocks noGrp="1"/>
-          </p:cNvSpPr>
-          <p:nvPr>
-            <p:ph type="title"/>
-          </p:nvPr>
-        </p:nvSpPr>
         <p:spPr>
           <a:xfrm>
             <a:off x="457200" y="274638"/>
@@ -6693,7 +5537,6 @@
               <a:rPr lang="ru-RU" dirty="0"/>
               <a:t>тестирование</a:t>
             </a:r>
-            <a:endParaRPr lang="ru-RU" dirty="0"/>
           </a:p>
         </p:txBody>
       </p:sp>
@@ -6747,7 +5590,7 @@
         </p:nvGraphicFramePr>
         <p:xfrm>
           <a:off x="4067944" y="116633"/>
-          <a:ext cx="4874348" cy="6669753"/>
+          <a:ext cx="4874348" cy="6709121"/>
         </p:xfrm>
         <a:graphic>
           <a:graphicData uri="http://schemas.openxmlformats.org/drawingml/2006/table">
@@ -7832,7 +6675,7 @@
           <p:nvPr/>
         </p:nvPicPr>
         <p:blipFill>
-          <a:blip r:embed="rId3">
+          <a:blip r:embed="rId2">
             <a:extLst>
               <a:ext uri="{28A0092B-C50C-407E-A947-70E740481C1C}">
                 <a14:useLocalDpi xmlns:a14="http://schemas.microsoft.com/office/drawing/2010/main" val="0"/>
@@ -7864,6 +6707,88 @@
           </a:extLst>
         </p:spPr>
       </p:pic>
+      <p:pic>
+        <p:nvPicPr>
+          <p:cNvPr id="9218" name="Рисунок 11"/>
+          <p:cNvPicPr>
+            <a:picLocks noChangeAspect="1" noChangeArrowheads="1"/>
+          </p:cNvPicPr>
+          <p:nvPr/>
+        </p:nvPicPr>
+        <p:blipFill>
+          <a:blip r:embed="rId2">
+            <a:extLst>
+              <a:ext uri="{28A0092B-C50C-407E-A947-70E740481C1C}">
+                <a14:useLocalDpi xmlns:a14="http://schemas.microsoft.com/office/drawing/2010/main" val="0"/>
+              </a:ext>
+            </a:extLst>
+          </a:blip>
+          <a:srcRect/>
+          <a:stretch>
+            <a:fillRect/>
+          </a:stretch>
+        </p:blipFill>
+        <p:spPr bwMode="auto">
+          <a:xfrm>
+            <a:off x="0" y="0"/>
+            <a:ext cx="1171575" cy="1162050"/>
+          </a:xfrm>
+          <a:prstGeom prst="rect">
+            <a:avLst/>
+          </a:prstGeom>
+          <a:noFill/>
+          <a:extLst>
+            <a:ext uri="{909E8E84-426E-40DD-AFC4-6F175D3DCCD1}">
+              <a14:hiddenFill xmlns:a14="http://schemas.microsoft.com/office/drawing/2010/main">
+                <a:solidFill>
+                  <a:srgbClr val="FFFFFF"/>
+                </a:solidFill>
+              </a14:hiddenFill>
+            </a:ext>
+          </a:extLst>
+        </p:spPr>
+      </p:pic>
+      <p:pic>
+        <p:nvPicPr>
+          <p:cNvPr id="9217" name="Рисунок 12"/>
+          <p:cNvPicPr>
+            <a:picLocks noChangeAspect="1" noChangeArrowheads="1"/>
+          </p:cNvPicPr>
+          <p:nvPr/>
+        </p:nvPicPr>
+        <p:blipFill>
+          <a:blip r:embed="rId2">
+            <a:extLst>
+              <a:ext uri="{28A0092B-C50C-407E-A947-70E740481C1C}">
+                <a14:useLocalDpi xmlns:a14="http://schemas.microsoft.com/office/drawing/2010/main" val="0"/>
+              </a:ext>
+            </a:extLst>
+          </a:blip>
+          <a:srcRect/>
+          <a:stretch>
+            <a:fillRect/>
+          </a:stretch>
+        </p:blipFill>
+        <p:spPr bwMode="auto">
+          <a:xfrm>
+            <a:off x="0" y="0"/>
+            <a:ext cx="1171575" cy="1162050"/>
+          </a:xfrm>
+          <a:prstGeom prst="rect">
+            <a:avLst/>
+          </a:prstGeom>
+          <a:noFill/>
+          <a:extLst>
+            <a:ext uri="{909E8E84-426E-40DD-AFC4-6F175D3DCCD1}">
+              <a14:hiddenFill xmlns:a14="http://schemas.microsoft.com/office/drawing/2010/main">
+                <a:solidFill>
+                  <a:srgbClr val="FFFFFF"/>
+                </a:solidFill>
+              </a14:hiddenFill>
+            </a:ext>
+          </a:extLst>
+        </p:spPr>
+      </p:pic>
     </p:spTree>
     <p:extLst>
       <p:ext uri="{BB962C8B-B14F-4D97-AF65-F5344CB8AC3E}">
@@ -7877,7 +6802,7 @@
 </p:sld>
 </file>
 
-<file path=ppt/slides/slide22.xml><?xml version="1.0" encoding="utf-8"?>
+<file path=ppt/slides/slide16.xml><?xml version="1.0" encoding="utf-8"?>
 <p:sld xmlns:a="http://schemas.openxmlformats.org/drawingml/2006/main" xmlns:r="http://schemas.openxmlformats.org/officeDocument/2006/relationships" xmlns:p="http://schemas.openxmlformats.org/presentationml/2006/main">
   <p:cSld>
     <p:spTree>
@@ -7915,7 +6840,6 @@
               <a:rPr lang="ru-RU" dirty="0"/>
               <a:t>Заключение</a:t>
             </a:r>
-            <a:endParaRPr lang="ru-RU" dirty="0"/>
           </a:p>
         </p:txBody>
       </p:sp>
@@ -7931,34 +6855,34 @@
         </p:nvSpPr>
         <p:spPr>
           <a:xfrm>
-            <a:off x="251520" y="1700808"/>
-            <a:ext cx="6336704" cy="3523530"/>
+            <a:off x="611560" y="2060848"/>
+            <a:ext cx="8280920" cy="3523530"/>
           </a:xfrm>
         </p:spPr>
         <p:txBody>
           <a:bodyPr>
-            <a:normAutofit fontScale="77500" lnSpcReduction="20000"/>
+            <a:normAutofit/>
           </a:bodyPr>
           <a:lstStyle/>
           <a:p>
-            <a:pPr marL="36576" indent="0" algn="just">
+            <a:pPr marL="36576" indent="0" algn="ctr">
               <a:buNone/>
             </a:pPr>
             <a:r>
               <a:rPr lang="ru-RU" dirty="0"/>
-              <a:t>В процессе прохождения практики я закрепил знания и умения в интеграции программных модулей, изучил структуру возможных заданий и основных принципов деятельности данной профессии, а также продемонстрировал знания, по построению </a:t>
-            </a:r>
-            <a:r>
-              <a:rPr lang="en-US" dirty="0"/>
-              <a:t>UML </a:t>
+              <a:t>В процессе прохождения практики я закрепил знания и умения в интеграции программных модулей, </a:t>
+            </a:r>
+            <a:r>
+              <a:rPr lang="ru-RU" dirty="0" smtClean="0"/>
+              <a:t>выработал </a:t>
             </a:r>
             <a:r>
               <a:rPr lang="ru-RU" dirty="0"/>
-              <a:t>диаграмм полученные при обучении в колледже, выработал навыки работы с функциями тестирования, принятия решений и исправлении ошибок в практической деятельности.</a:t>
-            </a:r>
-          </a:p>
-          <a:p>
-            <a:pPr marL="36576" lvl="0" indent="0" algn="just">
+              <a:t>навыки работы с функциями тестирования, принятия решений и исправлении ошибок в практической деятельности.</a:t>
+            </a:r>
+          </a:p>
+          <a:p>
+            <a:pPr marL="36576" lvl="0" indent="0" algn="ctr">
               <a:buNone/>
             </a:pPr>
             <a:endParaRPr lang="ru-RU" dirty="0" smtClean="0"/>
@@ -7978,7 +6902,7 @@
 </p:sld>
 </file>
 
-<file path=ppt/slides/slide3.xml><?xml version="1.0" encoding="utf-8"?>
+<file path=ppt/slides/slide2.xml><?xml version="1.0" encoding="utf-8"?>
 <p:sld xmlns:a="http://schemas.openxmlformats.org/drawingml/2006/main" xmlns:r="http://schemas.openxmlformats.org/officeDocument/2006/relationships" xmlns:p="http://schemas.openxmlformats.org/presentationml/2006/main">
   <p:cSld>
     <p:spTree>
@@ -8012,21 +6936,227 @@
           <a:p>
             <a:r>
               <a:rPr lang="ru-RU" dirty="0" smtClean="0"/>
-              <a:t>План практики</a:t>
+              <a:t>База практики</a:t>
             </a:r>
             <a:endParaRPr lang="ru-RU" dirty="0"/>
           </a:p>
         </p:txBody>
       </p:sp>
+      <p:sp>
+        <p:nvSpPr>
+          <p:cNvPr id="3" name="Содержимое 2"/>
+          <p:cNvSpPr>
+            <a:spLocks noGrp="1"/>
+          </p:cNvSpPr>
+          <p:nvPr>
+            <p:ph idx="1"/>
+          </p:nvPr>
+        </p:nvSpPr>
+        <p:spPr>
+          <a:xfrm>
+            <a:off x="457200" y="1600201"/>
+            <a:ext cx="7467600" cy="2836911"/>
+          </a:xfrm>
+        </p:spPr>
+        <p:txBody>
+          <a:bodyPr>
+            <a:normAutofit fontScale="85000" lnSpcReduction="20000"/>
+          </a:bodyPr>
+          <a:lstStyle/>
+          <a:p>
+            <a:r>
+              <a:rPr lang="ru-RU" sz="2000" dirty="0" smtClean="0"/>
+              <a:t>Название организации: Мастер Софт.</a:t>
+            </a:r>
+          </a:p>
+          <a:p>
+            <a:r>
+              <a:rPr lang="ru-RU" sz="2000" dirty="0" smtClean="0"/>
+              <a:t>Контактный адрес</a:t>
+            </a:r>
+            <a:r>
+              <a:rPr lang="ru-RU" sz="2100" dirty="0"/>
+              <a:t>: ул. </a:t>
+            </a:r>
+            <a:r>
+              <a:rPr lang="ru-RU" sz="2100" dirty="0" err="1"/>
+              <a:t>Маклина</a:t>
+            </a:r>
+            <a:r>
+              <a:rPr lang="ru-RU" sz="2100" dirty="0"/>
+              <a:t>, 40, Киров</a:t>
+            </a:r>
+            <a:r>
+              <a:rPr lang="ru-RU" sz="2000" dirty="0" smtClean="0"/>
+              <a:t>.</a:t>
+            </a:r>
+          </a:p>
+          <a:p>
+            <a:r>
+              <a:rPr lang="ru-RU" sz="2000" dirty="0" smtClean="0"/>
+              <a:t>Номер телефона: </a:t>
+            </a:r>
+            <a:r>
+              <a:rPr lang="ru-RU" sz="2100" dirty="0" smtClean="0"/>
+              <a:t>+</a:t>
+            </a:r>
+            <a:r>
+              <a:rPr lang="ru-RU" sz="2100" dirty="0"/>
+              <a:t>7 (8332) 22-22-44,.</a:t>
+            </a:r>
+          </a:p>
+          <a:p>
+            <a:r>
+              <a:rPr lang="ru-RU" sz="2000" dirty="0" smtClean="0"/>
+              <a:t>Сфера деятельности организации</a:t>
+            </a:r>
+            <a:r>
+              <a:rPr lang="en-US" sz="2000" dirty="0" smtClean="0"/>
+              <a:t>: </a:t>
+            </a:r>
+            <a:r>
+              <a:rPr lang="ru-RU" sz="2000" dirty="0" smtClean="0"/>
+              <a:t>выполнение работ, оказание услуг в сфере 1С.</a:t>
+            </a:r>
+          </a:p>
+          <a:p>
+            <a:r>
+              <a:rPr lang="ru-RU" sz="2000" dirty="0" smtClean="0"/>
+              <a:t>ФИО программиста</a:t>
+            </a:r>
+            <a:r>
+              <a:rPr lang="ru-RU" sz="2000" dirty="0"/>
+              <a:t>: Кузнецова Елизавета Сергеевна </a:t>
+            </a:r>
+            <a:endParaRPr lang="ru-RU" sz="2000" dirty="0" smtClean="0"/>
+          </a:p>
+          <a:p>
+            <a:r>
+              <a:rPr lang="ru-RU" sz="2000" dirty="0" smtClean="0"/>
+              <a:t>Должностные обязанности: осуществляет руководство отделением многопрофильного колледжа, организует текущее и перспективное планирование его деятельности.</a:t>
+            </a:r>
+          </a:p>
+          <a:p>
+            <a:r>
+              <a:rPr lang="ru-RU" sz="2000" dirty="0" smtClean="0"/>
+              <a:t>Наименование используемых программ: </a:t>
+            </a:r>
+            <a:r>
+              <a:rPr lang="en-US" sz="2100" dirty="0"/>
+              <a:t>1C:</a:t>
+            </a:r>
+            <a:r>
+              <a:rPr lang="ru-RU" sz="2100" dirty="0" smtClean="0"/>
+              <a:t>Предприятие</a:t>
+            </a:r>
+            <a:r>
+              <a:rPr lang="en-US" sz="2000" dirty="0" smtClean="0"/>
+              <a:t>, Visio, PowerPoint, Microsoft Word. </a:t>
+            </a:r>
+            <a:endParaRPr lang="ru-RU" sz="2000" dirty="0" smtClean="0"/>
+          </a:p>
+        </p:txBody>
+      </p:sp>
+      <p:sp>
+        <p:nvSpPr>
+          <p:cNvPr id="5" name="TextBox 4"/>
+          <p:cNvSpPr txBox="1"/>
+          <p:nvPr/>
+        </p:nvSpPr>
+        <p:spPr>
+          <a:xfrm>
+            <a:off x="429686" y="4581128"/>
+            <a:ext cx="2520280" cy="369332"/>
+          </a:xfrm>
+          <a:prstGeom prst="rect">
+            <a:avLst/>
+          </a:prstGeom>
+          <a:noFill/>
+        </p:spPr>
+        <p:txBody>
+          <a:bodyPr wrap="square" rtlCol="0">
+            <a:spAutoFit/>
+          </a:bodyPr>
+          <a:lstStyle/>
+          <a:p>
+            <a:r>
+              <a:rPr lang="ru-RU" dirty="0" smtClean="0"/>
+              <a:t>Фото предприятия:</a:t>
+            </a:r>
+            <a:endParaRPr lang="ru-RU" dirty="0"/>
+          </a:p>
+        </p:txBody>
+      </p:sp>
+      <p:pic>
+        <p:nvPicPr>
+          <p:cNvPr id="7" name="Рисунок 6"/>
+          <p:cNvPicPr>
+            <a:picLocks noChangeAspect="1"/>
+          </p:cNvPicPr>
+          <p:nvPr/>
+        </p:nvPicPr>
+        <p:blipFill>
+          <a:blip r:embed="rId2"/>
+          <a:stretch>
+            <a:fillRect/>
+          </a:stretch>
+        </p:blipFill>
+        <p:spPr>
+          <a:xfrm>
+            <a:off x="3851920" y="4293096"/>
+            <a:ext cx="3240360" cy="2395048"/>
+          </a:xfrm>
+          <a:prstGeom prst="rect">
+            <a:avLst/>
+          </a:prstGeom>
+          <a:solidFill>
+            <a:srgbClr val="FFFFFF">
+              <a:shade val="85000"/>
+            </a:srgbClr>
+          </a:solidFill>
+          <a:ln w="88900" cap="sq">
+            <a:solidFill>
+              <a:srgbClr val="FFFFFF"/>
+            </a:solidFill>
+            <a:miter lim="800000"/>
+          </a:ln>
+          <a:effectLst>
+            <a:outerShdw blurRad="55000" dist="18000" dir="5400000" algn="tl" rotWithShape="0">
+              <a:srgbClr val="000000">
+                <a:alpha val="40000"/>
+              </a:srgbClr>
+            </a:outerShdw>
+          </a:effectLst>
+          <a:scene3d>
+            <a:camera prst="orthographicFront"/>
+            <a:lightRig rig="twoPt" dir="t">
+              <a:rot lat="0" lon="0" rev="7200000"/>
+            </a:lightRig>
+          </a:scene3d>
+          <a:sp3d>
+            <a:bevelT w="25400" h="19050"/>
+            <a:contourClr>
+              <a:srgbClr val="FFFFFF"/>
+            </a:contourClr>
+          </a:sp3d>
+        </p:spPr>
+      </p:pic>
     </p:spTree>
   </p:cSld>
   <p:clrMapOvr>
     <a:masterClrMapping/>
   </p:clrMapOvr>
+  <p:timing>
+    <p:tnLst>
+      <p:par>
+        <p:cTn id="1" dur="indefinite" restart="never" nodeType="tmRoot"/>
+      </p:par>
+    </p:tnLst>
+  </p:timing>
 </p:sld>
 </file>
 
-<file path=ppt/slides/slide4.xml><?xml version="1.0" encoding="utf-8"?>
+<file path=ppt/slides/slide3.xml><?xml version="1.0" encoding="utf-8"?>
 <p:sld xmlns:a="http://schemas.openxmlformats.org/drawingml/2006/main" xmlns:r="http://schemas.openxmlformats.org/officeDocument/2006/relationships" xmlns:p="http://schemas.openxmlformats.org/presentationml/2006/main">
   <p:cSld>
     <p:spTree>
@@ -8393,7 +7523,7 @@
 </p:sld>
 </file>
 
-<file path=ppt/slides/slide5.xml><?xml version="1.0" encoding="utf-8"?>
+<file path=ppt/slides/slide4.xml><?xml version="1.0" encoding="utf-8"?>
 <p:sld xmlns:a="http://schemas.openxmlformats.org/drawingml/2006/main" xmlns:r="http://schemas.openxmlformats.org/officeDocument/2006/relationships" xmlns:p="http://schemas.openxmlformats.org/presentationml/2006/main">
   <p:cSld>
     <p:spTree>
@@ -8499,7 +7629,7 @@
 </p:sld>
 </file>
 
-<file path=ppt/slides/slide6.xml><?xml version="1.0" encoding="utf-8"?>
+<file path=ppt/slides/slide5.xml><?xml version="1.0" encoding="utf-8"?>
 <p:sld xmlns:a="http://schemas.openxmlformats.org/drawingml/2006/main" xmlns:r="http://schemas.openxmlformats.org/officeDocument/2006/relationships" xmlns:p="http://schemas.openxmlformats.org/presentationml/2006/main">
   <p:cSld>
     <p:spTree>
@@ -8652,7 +7782,7 @@
 </p:sld>
 </file>
 
-<file path=ppt/slides/slide7.xml><?xml version="1.0" encoding="utf-8"?>
+<file path=ppt/slides/slide6.xml><?xml version="1.0" encoding="utf-8"?>
 <p:sld xmlns:a="http://schemas.openxmlformats.org/drawingml/2006/main" xmlns:r="http://schemas.openxmlformats.org/officeDocument/2006/relationships" xmlns:p="http://schemas.openxmlformats.org/presentationml/2006/main">
   <p:cSld>
     <p:spTree>
@@ -8694,7 +7824,6 @@
               <a:rPr lang="ru-RU" dirty="0"/>
               <a:t>Диаграммы </a:t>
             </a:r>
-            <a:endParaRPr lang="ru-RU" dirty="0"/>
           </a:p>
         </p:txBody>
       </p:sp>
@@ -8725,7 +7854,6 @@
               <a:rPr lang="ru-RU" dirty="0" smtClean="0"/>
               <a:t>вариантов использования</a:t>
             </a:r>
-            <a:endParaRPr lang="ru-RU" dirty="0" smtClean="0"/>
           </a:p>
           <a:p>
             <a:pPr marL="36576" indent="0">
@@ -8857,7 +7985,7 @@
           <a:graphicData uri="http://schemas.openxmlformats.org/presentationml/2006/ole">
             <mc:AlternateContent xmlns:mc="http://schemas.openxmlformats.org/markup-compatibility/2006">
               <mc:Choice xmlns:v="urn:schemas-microsoft-com:vml" Requires="v">
-                <p:oleObj spid="_x0000_s1028" name="Visio" r:id="rId3" imgW="9077260" imgH="5095645" progId="Visio.Drawing.15">
+                <p:oleObj spid="_x0000_s1030" name="Visio" r:id="rId3" imgW="9077260" imgH="5095645" progId="Visio.Drawing.15">
                   <p:embed/>
                 </p:oleObj>
               </mc:Choice>
@@ -8912,7 +8040,7 @@
 </p:sld>
 </file>
 
-<file path=ppt/slides/slide8.xml><?xml version="1.0" encoding="utf-8"?>
+<file path=ppt/slides/slide7.xml><?xml version="1.0" encoding="utf-8"?>
 <p:sld xmlns:a="http://schemas.openxmlformats.org/drawingml/2006/main" xmlns:r="http://schemas.openxmlformats.org/officeDocument/2006/relationships" xmlns:p="http://schemas.openxmlformats.org/presentationml/2006/main">
   <p:cSld>
     <p:spTree>
@@ -8954,7 +8082,6 @@
               <a:rPr lang="ru-RU" dirty="0"/>
               <a:t>Диаграммы </a:t>
             </a:r>
-            <a:endParaRPr lang="ru-RU" dirty="0"/>
           </a:p>
         </p:txBody>
       </p:sp>
@@ -8977,7 +8104,6 @@
               <a:rPr lang="ru-RU" dirty="0" smtClean="0"/>
               <a:t>Диаграмма последовательности	</a:t>
             </a:r>
-            <a:endParaRPr lang="ru-RU" dirty="0" smtClean="0"/>
           </a:p>
           <a:p>
             <a:pPr marL="36576" indent="0">
@@ -9109,7 +8235,7 @@
           <a:graphicData uri="http://schemas.openxmlformats.org/presentationml/2006/ole">
             <mc:AlternateContent xmlns:mc="http://schemas.openxmlformats.org/markup-compatibility/2006">
               <mc:Choice xmlns:v="urn:schemas-microsoft-com:vml" Requires="v">
-                <p:oleObj spid="_x0000_s2052" name="Visio" r:id="rId3" imgW="3000181" imgH="4457700" progId="Visio.Drawing.15">
+                <p:oleObj spid="_x0000_s2054" name="Visio" r:id="rId3" imgW="3000181" imgH="4457700" progId="Visio.Drawing.15">
                   <p:embed/>
                 </p:oleObj>
               </mc:Choice>
@@ -9169,7 +8295,7 @@
 </p:sld>
 </file>
 
-<file path=ppt/slides/slide9.xml><?xml version="1.0" encoding="utf-8"?>
+<file path=ppt/slides/slide8.xml><?xml version="1.0" encoding="utf-8"?>
 <p:sld xmlns:a="http://schemas.openxmlformats.org/drawingml/2006/main" xmlns:r="http://schemas.openxmlformats.org/officeDocument/2006/relationships" xmlns:p="http://schemas.openxmlformats.org/presentationml/2006/main">
   <p:cSld>
     <p:spTree>
@@ -9211,7 +8337,6 @@
               <a:rPr lang="ru-RU" dirty="0"/>
               <a:t>Диаграммы </a:t>
             </a:r>
-            <a:endParaRPr lang="ru-RU" dirty="0"/>
           </a:p>
         </p:txBody>
       </p:sp>
@@ -9370,7 +8495,7 @@
           <a:graphicData uri="http://schemas.openxmlformats.org/presentationml/2006/ole">
             <mc:AlternateContent xmlns:mc="http://schemas.openxmlformats.org/markup-compatibility/2006">
               <mc:Choice xmlns:v="urn:schemas-microsoft-com:vml" Requires="v">
-                <p:oleObj spid="_x0000_s3076" name="Visio" r:id="rId3" imgW="3581228" imgH="3447935" progId="Visio.Drawing.15">
+                <p:oleObj spid="_x0000_s3078" name="Visio" r:id="rId3" imgW="3581228" imgH="3447935" progId="Visio.Drawing.15">
                   <p:embed/>
                 </p:oleObj>
               </mc:Choice>
@@ -9421,6 +8546,266 @@
     <p:extLst>
       <p:ext uri="{BB962C8B-B14F-4D97-AF65-F5344CB8AC3E}">
         <p14:creationId xmlns:p14="http://schemas.microsoft.com/office/powerpoint/2010/main" val="3378850967"/>
+      </p:ext>
+    </p:extLst>
+  </p:cSld>
+  <p:clrMapOvr>
+    <a:masterClrMapping/>
+  </p:clrMapOvr>
+</p:sld>
+</file>
+
+<file path=ppt/slides/slide9.xml><?xml version="1.0" encoding="utf-8"?>
+<p:sld xmlns:a="http://schemas.openxmlformats.org/drawingml/2006/main" xmlns:r="http://schemas.openxmlformats.org/officeDocument/2006/relationships" xmlns:p="http://schemas.openxmlformats.org/presentationml/2006/main">
+  <p:cSld>
+    <p:spTree>
+      <p:nvGrpSpPr>
+        <p:cNvPr id="1" name=""/>
+        <p:cNvGrpSpPr/>
+        <p:nvPr/>
+      </p:nvGrpSpPr>
+      <p:grpSpPr>
+        <a:xfrm>
+          <a:off x="0" y="0"/>
+          <a:ext cx="0" cy="0"/>
+          <a:chOff x="0" y="0"/>
+          <a:chExt cx="0" cy="0"/>
+        </a:xfrm>
+      </p:grpSpPr>
+      <p:sp>
+        <p:nvSpPr>
+          <p:cNvPr id="2" name="Заголовок 1"/>
+          <p:cNvSpPr>
+            <a:spLocks noGrp="1"/>
+          </p:cNvSpPr>
+          <p:nvPr>
+            <p:ph type="title"/>
+          </p:nvPr>
+        </p:nvSpPr>
+        <p:spPr/>
+        <p:txBody>
+          <a:bodyPr>
+            <a:normAutofit/>
+          </a:bodyPr>
+          <a:lstStyle/>
+          <a:p>
+            <a:r>
+              <a:rPr lang="en-US" dirty="0"/>
+              <a:t>UML </a:t>
+            </a:r>
+            <a:r>
+              <a:rPr lang="ru-RU" dirty="0"/>
+              <a:t>Диаграммы </a:t>
+            </a:r>
+          </a:p>
+        </p:txBody>
+      </p:sp>
+      <p:sp>
+        <p:nvSpPr>
+          <p:cNvPr id="3" name="Содержимое 2"/>
+          <p:cNvSpPr>
+            <a:spLocks noGrp="1"/>
+          </p:cNvSpPr>
+          <p:nvPr>
+            <p:ph idx="1"/>
+          </p:nvPr>
+        </p:nvSpPr>
+        <p:spPr/>
+        <p:txBody>
+          <a:bodyPr/>
+          <a:lstStyle/>
+          <a:p>
+            <a:r>
+              <a:rPr lang="ru-RU" dirty="0" smtClean="0"/>
+              <a:t>Диаграмма </a:t>
+            </a:r>
+            <a:r>
+              <a:rPr lang="ru-RU" dirty="0"/>
+              <a:t>компонентов</a:t>
+            </a:r>
+            <a:endParaRPr lang="ru-RU" dirty="0" smtClean="0"/>
+          </a:p>
+          <a:p>
+            <a:pPr marL="36576" indent="0">
+              <a:buNone/>
+            </a:pPr>
+            <a:endParaRPr lang="ru-RU" dirty="0"/>
+          </a:p>
+        </p:txBody>
+      </p:sp>
+      <p:sp>
+        <p:nvSpPr>
+          <p:cNvPr id="5" name="Rectangle 2"/>
+          <p:cNvSpPr>
+            <a:spLocks noChangeArrowheads="1"/>
+          </p:cNvSpPr>
+          <p:nvPr/>
+        </p:nvSpPr>
+        <p:spPr bwMode="auto">
+          <a:xfrm>
+            <a:off x="1075435" y="1445819"/>
+            <a:ext cx="9144000" cy="0"/>
+          </a:xfrm>
+          <a:prstGeom prst="rect">
+            <a:avLst/>
+          </a:prstGeom>
+          <a:solidFill>
+            <a:schemeClr val="bg1"/>
+          </a:solidFill>
+          <a:ln>
+            <a:noFill/>
+          </a:ln>
+          <a:effectLst/>
+        </p:spPr>
+        <p:txBody>
+          <a:bodyPr vert="horz" wrap="none" lIns="91440" tIns="45720" rIns="91440" bIns="45720" numCol="1" anchor="ctr" anchorCtr="0" compatLnSpc="1">
+            <a:prstTxWarp prst="textNoShape">
+              <a:avLst/>
+            </a:prstTxWarp>
+            <a:spAutoFit/>
+          </a:bodyPr>
+          <a:lstStyle/>
+          <a:p>
+            <a:endParaRPr lang="ru-RU"/>
+          </a:p>
+        </p:txBody>
+      </p:sp>
+      <p:sp>
+        <p:nvSpPr>
+          <p:cNvPr id="4" name="Rectangle 2"/>
+          <p:cNvSpPr>
+            <a:spLocks noChangeArrowheads="1"/>
+          </p:cNvSpPr>
+          <p:nvPr/>
+        </p:nvSpPr>
+        <p:spPr bwMode="auto">
+          <a:xfrm>
+            <a:off x="2267744" y="2564904"/>
+            <a:ext cx="9144000" cy="0"/>
+          </a:xfrm>
+          <a:prstGeom prst="rect">
+            <a:avLst/>
+          </a:prstGeom>
+          <a:noFill/>
+          <a:ln>
+            <a:noFill/>
+          </a:ln>
+          <a:effectLst/>
+          <a:extLst>
+            <a:ext uri="{909E8E84-426E-40DD-AFC4-6F175D3DCCD1}">
+              <a14:hiddenFill xmlns:a14="http://schemas.microsoft.com/office/drawing/2010/main">
+                <a:solidFill>
+                  <a:schemeClr val="accent1"/>
+                </a:solidFill>
+              </a14:hiddenFill>
+            </a:ext>
+            <a:ext uri="{91240B29-F687-4F45-9708-019B960494DF}">
+              <a14:hiddenLine xmlns:a14="http://schemas.microsoft.com/office/drawing/2010/main" w="9525">
+                <a:solidFill>
+                  <a:schemeClr val="tx1"/>
+                </a:solidFill>
+                <a:miter lim="800000"/>
+                <a:headEnd/>
+                <a:tailEnd/>
+              </a14:hiddenLine>
+            </a:ext>
+            <a:ext uri="{AF507438-7753-43E0-B8FC-AC1667EBCBE1}">
+              <a14:hiddenEffects xmlns:a14="http://schemas.microsoft.com/office/drawing/2010/main">
+                <a:effectLst>
+                  <a:outerShdw dist="35921" dir="2700000" algn="ctr" rotWithShape="0">
+                    <a:schemeClr val="bg2"/>
+                  </a:outerShdw>
+                </a:effectLst>
+              </a14:hiddenEffects>
+            </a:ext>
+          </a:extLst>
+        </p:spPr>
+        <p:txBody>
+          <a:bodyPr vert="horz" wrap="none" lIns="91440" tIns="45720" rIns="91440" bIns="45720" numCol="1" anchor="ctr" anchorCtr="0" compatLnSpc="1">
+            <a:prstTxWarp prst="textNoShape">
+              <a:avLst/>
+            </a:prstTxWarp>
+            <a:spAutoFit/>
+          </a:bodyPr>
+          <a:lstStyle/>
+          <a:p>
+            <a:endParaRPr lang="ru-RU"/>
+          </a:p>
+        </p:txBody>
+      </p:sp>
+      <p:graphicFrame>
+        <p:nvGraphicFramePr>
+          <p:cNvPr id="6" name="Объект 5"/>
+          <p:cNvGraphicFramePr>
+            <a:graphicFrameLocks noChangeAspect="1"/>
+          </p:cNvGraphicFramePr>
+          <p:nvPr>
+            <p:extLst>
+              <p:ext uri="{D42A27DB-BD31-4B8C-83A1-F6EECF244321}">
+                <p14:modId xmlns:p14="http://schemas.microsoft.com/office/powerpoint/2010/main" val="4281008852"/>
+              </p:ext>
+            </p:extLst>
+          </p:nvPr>
+        </p:nvGraphicFramePr>
+        <p:xfrm>
+          <a:off x="1483990" y="2411764"/>
+          <a:ext cx="5456188" cy="3715639"/>
+        </p:xfrm>
+        <a:graphic>
+          <a:graphicData uri="http://schemas.openxmlformats.org/presentationml/2006/ole">
+            <mc:AlternateContent xmlns:mc="http://schemas.openxmlformats.org/markup-compatibility/2006">
+              <mc:Choice xmlns:v="urn:schemas-microsoft-com:vml" Requires="v">
+                <p:oleObj spid="_x0000_s4102" name="Visio" r:id="rId3" imgW="6686335" imgH="4533785" progId="Visio.Drawing.15">
+                  <p:embed/>
+                </p:oleObj>
+              </mc:Choice>
+              <mc:Fallback>
+                <p:oleObj name="Visio" r:id="rId3" imgW="6686335" imgH="4533785" progId="Visio.Drawing.15">
+                  <p:embed/>
+                  <p:pic>
+                    <p:nvPicPr>
+                      <p:cNvPr id="0" name="Object 1"/>
+                      <p:cNvPicPr>
+                        <a:picLocks noChangeAspect="1" noChangeArrowheads="1"/>
+                      </p:cNvPicPr>
+                      <p:nvPr/>
+                    </p:nvPicPr>
+                    <p:blipFill>
+                      <a:blip r:embed="rId4">
+                        <a:extLst>
+                          <a:ext uri="{28A0092B-C50C-407E-A947-70E740481C1C}">
+                            <a14:useLocalDpi xmlns:a14="http://schemas.microsoft.com/office/drawing/2010/main" val="0"/>
+                          </a:ext>
+                        </a:extLst>
+                      </a:blip>
+                      <a:srcRect/>
+                      <a:stretch>
+                        <a:fillRect/>
+                      </a:stretch>
+                    </p:blipFill>
+                    <p:spPr bwMode="auto">
+                      <a:xfrm>
+                        <a:off x="1483990" y="2411764"/>
+                        <a:ext cx="5456188" cy="3715639"/>
+                      </a:xfrm>
+                      <a:prstGeom prst="rect">
+                        <a:avLst/>
+                      </a:prstGeom>
+                      <a:solidFill>
+                        <a:schemeClr val="tx1"/>
+                      </a:solidFill>
+                    </p:spPr>
+                  </p:pic>
+                </p:oleObj>
+              </mc:Fallback>
+            </mc:AlternateContent>
+          </a:graphicData>
+        </a:graphic>
+      </p:graphicFrame>
+    </p:spTree>
+    <p:extLst>
+      <p:ext uri="{BB962C8B-B14F-4D97-AF65-F5344CB8AC3E}">
+        <p14:creationId xmlns:p14="http://schemas.microsoft.com/office/powerpoint/2010/main" val="623407474"/>
       </p:ext>
     </p:extLst>
   </p:cSld>
